--- a/Staff Management project.pptx
+++ b/Staff Management project.pptx
@@ -5067,7 +5067,7 @@
           <p:nvPr>
             <p:extLst>
               <p:ext uri="{D42A27DB-BD31-4B8C-83A1-F6EECF244321}">
-                <p14:modId xmlns:p14="http://schemas.microsoft.com/office/powerpoint/2010/main" val="936061076"/>
+                <p14:modId xmlns:p14="http://schemas.microsoft.com/office/powerpoint/2010/main" val="1288998753"/>
               </p:ext>
             </p:extLst>
           </p:nvPr>
@@ -5166,10 +5166,18 @@
                     <a:bodyPr/>
                     <a:lstStyle/>
                     <a:p>
-                      <a:pPr marL="0" indent="0">
+                      <a:pPr marL="285750" indent="-285750">
                         <a:buFont typeface="Arial" panose="020B0604020202020204" pitchFamily="34" charset="0"/>
-                        <a:buNone/>
+                        <a:buChar char="•"/>
                       </a:pPr>
+                      <a:r>
+                        <a:rPr lang="sv-SE" dirty="0" err="1" smtClean="0"/>
+                        <a:t>WriteCode</a:t>
+                      </a:r>
+                      <a:r>
+                        <a:rPr lang="sv-SE" smtClean="0"/>
+                        <a:t>()</a:t>
+                      </a:r>
                       <a:endParaRPr lang="sv-SE" dirty="0"/>
                     </a:p>
                   </a:txBody>
